--- a/04_PHP_OOP_and_MVC/02_oop_INHERITANCE/Slides/OOP_inheritance.pptx
+++ b/04_PHP_OOP_and_MVC/02_oop_INHERITANCE/Slides/OOP_inheritance.pptx
@@ -263,7 +263,7 @@
   </p:defaultTextStyle>
   <p:extLst>
     <p:ext uri="http://customooxmlschemas.google.com/">
-      <go:slidesCustomData xmlns:go="http://customooxmlschemas.google.com/" xmlns:p15="http://schemas.microsoft.com/office/powerpoint/2012/main" xmlns:p14="http://schemas.microsoft.com/office/powerpoint/2010/main" xmlns:com="http://schemas.openxmlformats.org/drawingml/2006/compatibility" xmlns:pvml="urn:schemas-microsoft-com:office:powerpoint" xmlns:v="urn:schemas-microsoft-com:vml" xmlns:o="urn:schemas-microsoft-com:office:office" xmlns:dgm="http://schemas.openxmlformats.org/drawingml/2006/diagram" xmlns:c="http://schemas.openxmlformats.org/drawingml/2006/chart" xmlns:mv="urn:schemas-microsoft-com:mac:vml" xmlns:mc="http://schemas.openxmlformats.org/markup-compatibility/2006" xmlns="" r:id="rId26" roundtripDataSignature="AMtx7mipSsT6AWgvmhdBc20KGpIRh/5kkw=="/>
+      <go:slidesCustomData xmlns="" xmlns:mc="http://schemas.openxmlformats.org/markup-compatibility/2006" xmlns:mv="urn:schemas-microsoft-com:mac:vml" xmlns:c="http://schemas.openxmlformats.org/drawingml/2006/chart" xmlns:dgm="http://schemas.openxmlformats.org/drawingml/2006/diagram" xmlns:o="urn:schemas-microsoft-com:office:office" xmlns:v="urn:schemas-microsoft-com:vml" xmlns:pvml="urn:schemas-microsoft-com:office:powerpoint" xmlns:com="http://schemas.openxmlformats.org/drawingml/2006/compatibility" xmlns:p14="http://schemas.microsoft.com/office/powerpoint/2010/main" xmlns:p15="http://schemas.microsoft.com/office/powerpoint/2012/main" xmlns:go="http://customooxmlschemas.google.com/" r:id="rId26" roundtripDataSignature="AMtx7mipSsT6AWgvmhdBc20KGpIRh/5kkw=="/>
     </p:ext>
   </p:extLst>
 </p:presentation>
@@ -18578,7 +18578,7 @@
               <a:buNone/>
             </a:pPr>
             <a:r>
-              <a:rPr lang="en" sz="1400" u="sng">
+              <a:rPr lang="en" sz="1400" u="sng" dirty="0">
                 <a:solidFill>
                   <a:schemeClr val="hlink"/>
                 </a:solidFill>
@@ -18586,7 +18586,7 @@
               </a:rPr>
               <a:t>more info</a:t>
             </a:r>
-            <a:endParaRPr sz="1400">
+            <a:endParaRPr sz="1400" dirty="0">
               <a:solidFill>
                 <a:srgbClr val="007700"/>
               </a:solidFill>
@@ -18607,220 +18607,238 @@
               <a:buAutoNum type="arabicPeriod"/>
             </a:pPr>
             <a:r>
-              <a:rPr lang="en" sz="1400" i="1">
-                <a:solidFill>
-                  <a:srgbClr val="674EA7"/>
+              <a:rPr lang="en" sz="1200" i="1" dirty="0">
+                <a:solidFill>
+                  <a:srgbClr val="7030A0"/>
                 </a:solidFill>
               </a:rPr>
               <a:t>public</a:t>
             </a:r>
             <a:r>
-              <a:rPr lang="en" sz="1400">
-                <a:solidFill>
-                  <a:srgbClr val="674EA7"/>
+              <a:rPr lang="en" sz="1200" dirty="0">
+                <a:solidFill>
+                  <a:srgbClr val="7030A0"/>
                 </a:solidFill>
               </a:rPr>
               <a:t> – class or its members defined with this access modifier will be publicly accessible from anywhere, even from outside the scope of the class.</a:t>
             </a:r>
-            <a:endParaRPr sz="1400">
+            <a:endParaRPr sz="1200" dirty="0">
+              <a:solidFill>
+                <a:srgbClr val="7030A0"/>
+              </a:solidFill>
+            </a:endParaRPr>
+          </a:p>
+          <a:p>
+            <a:pPr lvl="0" indent="-317500">
+              <a:buClr>
+                <a:srgbClr val="674EA7"/>
+              </a:buClr>
+              <a:buAutoNum type="arabicPeriod"/>
+            </a:pPr>
+            <a:r>
+              <a:rPr lang="en" sz="1200" i="1" dirty="0">
+                <a:solidFill>
+                  <a:srgbClr val="7030A0"/>
+                </a:solidFill>
+              </a:rPr>
+              <a:t>private</a:t>
+            </a:r>
+            <a:r>
+              <a:rPr lang="en" sz="1200" dirty="0">
+                <a:solidFill>
+                  <a:srgbClr val="7030A0"/>
+                </a:solidFill>
+              </a:rPr>
+              <a:t> – </a:t>
+            </a:r>
+            <a:r>
+              <a:rPr lang="en-US" sz="1200" dirty="0">
+                <a:solidFill>
+                  <a:srgbClr val="7030A0"/>
+                </a:solidFill>
+              </a:rPr>
+              <a:t>Those Class properties and class methods which are set to be PRIVATE can only be access with in the class</a:t>
+            </a:r>
+            <a:r>
+              <a:rPr lang="en-US" sz="1200" dirty="0" smtClean="0">
+                <a:solidFill>
+                  <a:srgbClr val="7030A0"/>
+                </a:solidFill>
+              </a:rPr>
+              <a:t>.</a:t>
+            </a:r>
+            <a:endParaRPr sz="1200" dirty="0">
+              <a:solidFill>
+                <a:srgbClr val="7030A0"/>
+              </a:solidFill>
+            </a:endParaRPr>
+          </a:p>
+          <a:p>
+            <a:pPr lvl="0" indent="-317500">
+              <a:buClr>
+                <a:srgbClr val="674EA7"/>
+              </a:buClr>
+              <a:buAutoNum type="arabicPeriod"/>
+            </a:pPr>
+            <a:r>
+              <a:rPr lang="en" sz="1200" i="1" dirty="0">
+                <a:solidFill>
+                  <a:srgbClr val="7030A0"/>
+                </a:solidFill>
+              </a:rPr>
+              <a:t>protected</a:t>
+            </a:r>
+            <a:r>
+              <a:rPr lang="en" sz="1200" dirty="0">
+                <a:solidFill>
+                  <a:srgbClr val="7030A0"/>
+                </a:solidFill>
+              </a:rPr>
+              <a:t> – </a:t>
+            </a:r>
+            <a:r>
+              <a:rPr lang="en-US" sz="1200" dirty="0">
+                <a:solidFill>
+                  <a:srgbClr val="7030A0"/>
+                </a:solidFill>
+              </a:rPr>
+              <a:t>Those class properties and class methods which are set to be PROTECTED can only be accessed in side a class and from its child class</a:t>
+            </a:r>
+            <a:r>
+              <a:rPr lang="en-US" sz="1200" dirty="0" smtClean="0">
+                <a:solidFill>
+                  <a:srgbClr val="7030A0"/>
+                </a:solidFill>
+              </a:rPr>
+              <a:t>.</a:t>
+            </a:r>
+            <a:endParaRPr sz="1200" dirty="0">
+              <a:solidFill>
+                <a:srgbClr val="7030A0"/>
+              </a:solidFill>
+            </a:endParaRPr>
+          </a:p>
+          <a:p>
+            <a:pPr marL="457200" lvl="0" indent="-317500" algn="l" rtl="0">
+              <a:spcBef>
+                <a:spcPts val="0"/>
+              </a:spcBef>
+              <a:spcAft>
+                <a:spcPts val="0"/>
+              </a:spcAft>
+              <a:buClr>
+                <a:schemeClr val="dk1"/>
+              </a:buClr>
+              <a:buSzPts val="1400"/>
+              <a:buAutoNum type="arabicPeriod"/>
+            </a:pPr>
+            <a:r>
+              <a:rPr lang="en" sz="1200" i="1" dirty="0">
+                <a:solidFill>
+                  <a:schemeClr val="dk1"/>
+                </a:solidFill>
+              </a:rPr>
+              <a:t>abstract</a:t>
+            </a:r>
+            <a:r>
+              <a:rPr lang="en" sz="1200" dirty="0">
+                <a:solidFill>
+                  <a:schemeClr val="dk1"/>
+                </a:solidFill>
+              </a:rPr>
+              <a:t> – This keyword can be used only for PHP classes and its functions. For containing </a:t>
+            </a:r>
+            <a:r>
+              <a:rPr lang="en" sz="1200" i="1" dirty="0">
+                <a:solidFill>
+                  <a:schemeClr val="dk1"/>
+                </a:solidFill>
+              </a:rPr>
+              <a:t>abstract</a:t>
+            </a:r>
+            <a:r>
+              <a:rPr lang="en" sz="1200" dirty="0">
+                <a:solidFill>
+                  <a:schemeClr val="dk1"/>
+                </a:solidFill>
+              </a:rPr>
+              <a:t> functions, a PHP class should be an </a:t>
+            </a:r>
+            <a:r>
+              <a:rPr lang="en" sz="1200" i="1" dirty="0">
+                <a:solidFill>
+                  <a:schemeClr val="dk1"/>
+                </a:solidFill>
+              </a:rPr>
+              <a:t>abstract</a:t>
+            </a:r>
+            <a:r>
+              <a:rPr lang="en" sz="1200" dirty="0">
+                <a:solidFill>
+                  <a:schemeClr val="dk1"/>
+                </a:solidFill>
+              </a:rPr>
+              <a:t> class./to be explained later/</a:t>
+            </a:r>
+            <a:endParaRPr sz="1200" dirty="0">
+              <a:solidFill>
+                <a:schemeClr val="dk1"/>
+              </a:solidFill>
+            </a:endParaRPr>
+          </a:p>
+          <a:p>
+            <a:pPr marL="457200" lvl="0" indent="-317500" algn="l" rtl="0">
+              <a:spcBef>
+                <a:spcPts val="0"/>
+              </a:spcBef>
+              <a:spcAft>
+                <a:spcPts val="0"/>
+              </a:spcAft>
+              <a:buClr>
+                <a:srgbClr val="674EA7"/>
+              </a:buClr>
+              <a:buSzPts val="1400"/>
+              <a:buAutoNum type="arabicPeriod"/>
+            </a:pPr>
+            <a:r>
+              <a:rPr lang="en" sz="1200" i="1" dirty="0">
+                <a:solidFill>
+                  <a:srgbClr val="674EA7"/>
+                </a:solidFill>
+              </a:rPr>
+              <a:t>final</a:t>
+            </a:r>
+            <a:r>
+              <a:rPr lang="en" sz="1200" dirty="0">
+                <a:solidFill>
+                  <a:srgbClr val="674EA7"/>
+                </a:solidFill>
+              </a:rPr>
+              <a:t> – It prevents subclasses to override super class members defined with </a:t>
+            </a:r>
+            <a:r>
+              <a:rPr lang="en" sz="1200" i="1" dirty="0">
+                <a:solidFill>
+                  <a:srgbClr val="674EA7"/>
+                </a:solidFill>
+              </a:rPr>
+              <a:t>final</a:t>
+            </a:r>
+            <a:r>
+              <a:rPr lang="en" sz="1200" dirty="0">
+                <a:solidFill>
+                  <a:srgbClr val="674EA7"/>
+                </a:solidFill>
+              </a:rPr>
+              <a:t> keyword.</a:t>
+            </a:r>
+            <a:endParaRPr sz="1200" dirty="0">
               <a:solidFill>
                 <a:srgbClr val="674EA7"/>
               </a:solidFill>
             </a:endParaRPr>
           </a:p>
           <a:p>
-            <a:pPr marL="457200" lvl="0" indent="-317500" algn="l" rtl="0">
-              <a:spcBef>
-                <a:spcPts val="0"/>
-              </a:spcBef>
-              <a:spcAft>
-                <a:spcPts val="0"/>
-              </a:spcAft>
-              <a:buClr>
-                <a:srgbClr val="674EA7"/>
-              </a:buClr>
-              <a:buSzPts val="1400"/>
-              <a:buAutoNum type="arabicPeriod"/>
-            </a:pPr>
-            <a:r>
-              <a:rPr lang="en" sz="1400" i="1">
-                <a:solidFill>
-                  <a:srgbClr val="674EA7"/>
-                </a:solidFill>
-              </a:rPr>
-              <a:t>private</a:t>
-            </a:r>
-            <a:r>
-              <a:rPr lang="en" sz="1400">
-                <a:solidFill>
-                  <a:srgbClr val="674EA7"/>
-                </a:solidFill>
-              </a:rPr>
-              <a:t> – class members with this keyword will be accessed within the class itself. It protects members from outside class access with the reference of the class instance.</a:t>
-            </a:r>
-            <a:endParaRPr sz="1400">
-              <a:solidFill>
-                <a:srgbClr val="674EA7"/>
-              </a:solidFill>
-            </a:endParaRPr>
-          </a:p>
-          <a:p>
-            <a:pPr marL="457200" lvl="0" indent="-317500" algn="l" rtl="0">
-              <a:spcBef>
-                <a:spcPts val="0"/>
-              </a:spcBef>
-              <a:spcAft>
-                <a:spcPts val="0"/>
-              </a:spcAft>
-              <a:buClr>
-                <a:srgbClr val="674EA7"/>
-              </a:buClr>
-              <a:buSzPts val="1400"/>
-              <a:buAutoNum type="arabicPeriod"/>
-            </a:pPr>
-            <a:r>
-              <a:rPr lang="en" sz="1400" i="1">
-                <a:solidFill>
-                  <a:srgbClr val="674EA7"/>
-                </a:solidFill>
-              </a:rPr>
-              <a:t>protected</a:t>
-            </a:r>
-            <a:r>
-              <a:rPr lang="en" sz="1400">
-                <a:solidFill>
-                  <a:srgbClr val="674EA7"/>
-                </a:solidFill>
-              </a:rPr>
-              <a:t> – same as private, except by allowing subclasses to access protected superclass members.</a:t>
-            </a:r>
-            <a:endParaRPr sz="1400">
-              <a:solidFill>
-                <a:srgbClr val="674EA7"/>
-              </a:solidFill>
-            </a:endParaRPr>
-          </a:p>
-          <a:p>
-            <a:pPr marL="457200" lvl="0" indent="-317500" algn="l" rtl="0">
-              <a:spcBef>
-                <a:spcPts val="0"/>
-              </a:spcBef>
-              <a:spcAft>
-                <a:spcPts val="0"/>
-              </a:spcAft>
-              <a:buClr>
-                <a:schemeClr val="dk1"/>
-              </a:buClr>
-              <a:buSzPts val="1400"/>
-              <a:buAutoNum type="arabicPeriod"/>
-            </a:pPr>
-            <a:r>
-              <a:rPr lang="en" sz="1400" i="1">
-                <a:solidFill>
-                  <a:schemeClr val="dk1"/>
-                </a:solidFill>
-              </a:rPr>
-              <a:t>abstract</a:t>
-            </a:r>
-            <a:r>
-              <a:rPr lang="en" sz="1400">
-                <a:solidFill>
-                  <a:schemeClr val="dk1"/>
-                </a:solidFill>
-              </a:rPr>
-              <a:t> – This keyword can be used only for PHP classes and its functions. For containing </a:t>
-            </a:r>
-            <a:r>
-              <a:rPr lang="en" sz="1400" i="1">
-                <a:solidFill>
-                  <a:schemeClr val="dk1"/>
-                </a:solidFill>
-              </a:rPr>
-              <a:t>abstract</a:t>
-            </a:r>
-            <a:r>
-              <a:rPr lang="en" sz="1400">
-                <a:solidFill>
-                  <a:schemeClr val="dk1"/>
-                </a:solidFill>
-              </a:rPr>
-              <a:t> functions, a PHP class should be an </a:t>
-            </a:r>
-            <a:r>
-              <a:rPr lang="en" sz="1400" i="1">
-                <a:solidFill>
-                  <a:schemeClr val="dk1"/>
-                </a:solidFill>
-              </a:rPr>
-              <a:t>abstract</a:t>
-            </a:r>
-            <a:r>
-              <a:rPr lang="en" sz="1400">
-                <a:solidFill>
-                  <a:schemeClr val="dk1"/>
-                </a:solidFill>
-              </a:rPr>
-              <a:t> class./to be explained later/</a:t>
-            </a:r>
-            <a:endParaRPr sz="1400">
-              <a:solidFill>
-                <a:schemeClr val="dk1"/>
-              </a:solidFill>
-            </a:endParaRPr>
-          </a:p>
-          <a:p>
-            <a:pPr marL="457200" lvl="0" indent="-317500" algn="l" rtl="0">
-              <a:spcBef>
-                <a:spcPts val="0"/>
-              </a:spcBef>
-              <a:spcAft>
-                <a:spcPts val="0"/>
-              </a:spcAft>
-              <a:buClr>
-                <a:srgbClr val="674EA7"/>
-              </a:buClr>
-              <a:buSzPts val="1400"/>
-              <a:buAutoNum type="arabicPeriod"/>
-            </a:pPr>
-            <a:r>
-              <a:rPr lang="en" sz="1400" i="1">
-                <a:solidFill>
-                  <a:srgbClr val="674EA7"/>
-                </a:solidFill>
-              </a:rPr>
-              <a:t>final</a:t>
-            </a:r>
-            <a:r>
-              <a:rPr lang="en" sz="1400">
-                <a:solidFill>
-                  <a:srgbClr val="674EA7"/>
-                </a:solidFill>
-              </a:rPr>
-              <a:t> – It prevents subclasses to override super class members defined with </a:t>
-            </a:r>
-            <a:r>
-              <a:rPr lang="en" sz="1400" i="1">
-                <a:solidFill>
-                  <a:srgbClr val="674EA7"/>
-                </a:solidFill>
-              </a:rPr>
-              <a:t>final</a:t>
-            </a:r>
-            <a:r>
-              <a:rPr lang="en" sz="1400">
-                <a:solidFill>
-                  <a:srgbClr val="674EA7"/>
-                </a:solidFill>
-              </a:rPr>
-              <a:t> keyword.</a:t>
-            </a:r>
-            <a:endParaRPr sz="1400">
-              <a:solidFill>
-                <a:srgbClr val="674EA7"/>
-              </a:solidFill>
-            </a:endParaRPr>
-          </a:p>
-          <a:p>
             <a:pPr marL="0" marR="0" lvl="0" indent="0" algn="l" rtl="0">
               <a:lnSpc>
                 <a:spcPct val="115000"/>
@@ -18838,7 +18856,7 @@
               <a:buFont typeface="Arial"/>
               <a:buNone/>
             </a:pPr>
-            <a:endParaRPr sz="1400">
+            <a:endParaRPr sz="1200" dirty="0">
               <a:solidFill>
                 <a:srgbClr val="674EA7"/>
               </a:solidFill>

--- a/04_PHP_OOP_and_MVC/02_oop_INHERITANCE/Slides/OOP_inheritance.pptx
+++ b/04_PHP_OOP_and_MVC/02_oop_INHERITANCE/Slides/OOP_inheritance.pptx
@@ -263,7 +263,7 @@
   </p:defaultTextStyle>
   <p:extLst>
     <p:ext uri="http://customooxmlschemas.google.com/">
-      <go:slidesCustomData xmlns="" xmlns:mc="http://schemas.openxmlformats.org/markup-compatibility/2006" xmlns:mv="urn:schemas-microsoft-com:mac:vml" xmlns:c="http://schemas.openxmlformats.org/drawingml/2006/chart" xmlns:dgm="http://schemas.openxmlformats.org/drawingml/2006/diagram" xmlns:o="urn:schemas-microsoft-com:office:office" xmlns:v="urn:schemas-microsoft-com:vml" xmlns:pvml="urn:schemas-microsoft-com:office:powerpoint" xmlns:com="http://schemas.openxmlformats.org/drawingml/2006/compatibility" xmlns:p14="http://schemas.microsoft.com/office/powerpoint/2010/main" xmlns:p15="http://schemas.microsoft.com/office/powerpoint/2012/main" xmlns:go="http://customooxmlschemas.google.com/" r:id="rId26" roundtripDataSignature="AMtx7mipSsT6AWgvmhdBc20KGpIRh/5kkw=="/>
+      <go:slidesCustomData xmlns:go="http://customooxmlschemas.google.com/" xmlns:p15="http://schemas.microsoft.com/office/powerpoint/2012/main" xmlns:p14="http://schemas.microsoft.com/office/powerpoint/2010/main" xmlns:com="http://schemas.openxmlformats.org/drawingml/2006/compatibility" xmlns:pvml="urn:schemas-microsoft-com:office:powerpoint" xmlns:v="urn:schemas-microsoft-com:vml" xmlns:o="urn:schemas-microsoft-com:office:office" xmlns:dgm="http://schemas.openxmlformats.org/drawingml/2006/diagram" xmlns:c="http://schemas.openxmlformats.org/drawingml/2006/chart" xmlns:mv="urn:schemas-microsoft-com:mac:vml" xmlns:mc="http://schemas.openxmlformats.org/markup-compatibility/2006" xmlns="" r:id="rId26" roundtripDataSignature="AMtx7mipSsT6AWgvmhdBc20KGpIRh/5kkw=="/>
     </p:ext>
   </p:extLst>
 </p:presentation>
